--- a/Case_Study_MER/CaseStudy1 Class Presentation.pptx
+++ b/Case_Study_MER/CaseStudy1 Class Presentation.pptx
@@ -6354,7 +6354,7 @@
           <a:p>
             <a:fld id="{EDF658AD-C107-314F-AF63-863345CDBE6E}" type="datetimeFigureOut">
               <a:rPr lang="en-US" smtClean="0"/>
-              <a:t>2/27/18</a:t>
+              <a:t>2/28/18</a:t>
             </a:fld>
             <a:endParaRPr lang="en-US"/>
           </a:p>
@@ -6552,7 +6552,7 @@
           <a:p>
             <a:fld id="{EDF658AD-C107-314F-AF63-863345CDBE6E}" type="datetimeFigureOut">
               <a:rPr lang="en-US" smtClean="0"/>
-              <a:t>2/27/18</a:t>
+              <a:t>2/28/18</a:t>
             </a:fld>
             <a:endParaRPr lang="en-US"/>
           </a:p>
@@ -6760,7 +6760,7 @@
           <a:p>
             <a:fld id="{EDF658AD-C107-314F-AF63-863345CDBE6E}" type="datetimeFigureOut">
               <a:rPr lang="en-US" smtClean="0"/>
-              <a:t>2/27/18</a:t>
+              <a:t>2/28/18</a:t>
             </a:fld>
             <a:endParaRPr lang="en-US"/>
           </a:p>
@@ -6958,7 +6958,7 @@
           <a:p>
             <a:fld id="{EDF658AD-C107-314F-AF63-863345CDBE6E}" type="datetimeFigureOut">
               <a:rPr lang="en-US" smtClean="0"/>
-              <a:t>2/27/18</a:t>
+              <a:t>2/28/18</a:t>
             </a:fld>
             <a:endParaRPr lang="en-US"/>
           </a:p>
@@ -7233,7 +7233,7 @@
           <a:p>
             <a:fld id="{EDF658AD-C107-314F-AF63-863345CDBE6E}" type="datetimeFigureOut">
               <a:rPr lang="en-US" smtClean="0"/>
-              <a:t>2/27/18</a:t>
+              <a:t>2/28/18</a:t>
             </a:fld>
             <a:endParaRPr lang="en-US"/>
           </a:p>
@@ -7498,7 +7498,7 @@
           <a:p>
             <a:fld id="{EDF658AD-C107-314F-AF63-863345CDBE6E}" type="datetimeFigureOut">
               <a:rPr lang="en-US" smtClean="0"/>
-              <a:t>2/27/18</a:t>
+              <a:t>2/28/18</a:t>
             </a:fld>
             <a:endParaRPr lang="en-US"/>
           </a:p>
@@ -7910,7 +7910,7 @@
           <a:p>
             <a:fld id="{EDF658AD-C107-314F-AF63-863345CDBE6E}" type="datetimeFigureOut">
               <a:rPr lang="en-US" smtClean="0"/>
-              <a:t>2/27/18</a:t>
+              <a:t>2/28/18</a:t>
             </a:fld>
             <a:endParaRPr lang="en-US"/>
           </a:p>
@@ -8051,7 +8051,7 @@
           <a:p>
             <a:fld id="{EDF658AD-C107-314F-AF63-863345CDBE6E}" type="datetimeFigureOut">
               <a:rPr lang="en-US" smtClean="0"/>
-              <a:t>2/27/18</a:t>
+              <a:t>2/28/18</a:t>
             </a:fld>
             <a:endParaRPr lang="en-US"/>
           </a:p>
@@ -8164,7 +8164,7 @@
           <a:p>
             <a:fld id="{EDF658AD-C107-314F-AF63-863345CDBE6E}" type="datetimeFigureOut">
               <a:rPr lang="en-US" smtClean="0"/>
-              <a:t>2/27/18</a:t>
+              <a:t>2/28/18</a:t>
             </a:fld>
             <a:endParaRPr lang="en-US"/>
           </a:p>
@@ -8475,7 +8475,7 @@
           <a:p>
             <a:fld id="{EDF658AD-C107-314F-AF63-863345CDBE6E}" type="datetimeFigureOut">
               <a:rPr lang="en-US" smtClean="0"/>
-              <a:t>2/27/18</a:t>
+              <a:t>2/28/18</a:t>
             </a:fld>
             <a:endParaRPr lang="en-US"/>
           </a:p>
@@ -8763,7 +8763,7 @@
           <a:p>
             <a:fld id="{EDF658AD-C107-314F-AF63-863345CDBE6E}" type="datetimeFigureOut">
               <a:rPr lang="en-US" smtClean="0"/>
-              <a:t>2/27/18</a:t>
+              <a:t>2/28/18</a:t>
             </a:fld>
             <a:endParaRPr lang="en-US"/>
           </a:p>
@@ -9004,7 +9004,7 @@
           <a:p>
             <a:fld id="{EDF658AD-C107-314F-AF63-863345CDBE6E}" type="datetimeFigureOut">
               <a:rPr lang="en-US" smtClean="0"/>
-              <a:t>2/27/18</a:t>
+              <a:t>2/28/18</a:t>
             </a:fld>
             <a:endParaRPr lang="en-US"/>
           </a:p>
@@ -12679,7 +12679,7 @@
       </p:grpSpPr>
       <p:sp>
         <p:nvSpPr>
-          <p:cNvPr id="12" name="Rectangle 11">
+          <p:cNvPr id="21" name="Rectangle 20">
             <a:extLst>
               <a:ext uri="{FF2B5EF4-FFF2-40B4-BE49-F238E27FC236}">
                 <a16:creationId xmlns:a16="http://schemas.microsoft.com/office/drawing/2014/main" id="{823AC064-BC96-4F32-8AE1-B2FD38754823}"/>
@@ -12747,7 +12747,7 @@
       </p:sp>
       <p:cxnSp>
         <p:nvCxnSpPr>
-          <p:cNvPr id="14" name="Straight Connector 13">
+          <p:cNvPr id="23" name="Straight Connector 22">
             <a:extLst>
               <a:ext uri="{FF2B5EF4-FFF2-40B4-BE49-F238E27FC236}">
                 <a16:creationId xmlns:a16="http://schemas.microsoft.com/office/drawing/2014/main" id="{7E7C77BC-7138-40B1-A15B-20F57A494629}"/>
@@ -12798,7 +12798,7 @@
       </p:cxnSp>
       <p:cxnSp>
         <p:nvCxnSpPr>
-          <p:cNvPr id="16" name="Straight Connector 15">
+          <p:cNvPr id="25" name="Straight Connector 24">
             <a:extLst>
               <a:ext uri="{FF2B5EF4-FFF2-40B4-BE49-F238E27FC236}">
                 <a16:creationId xmlns:a16="http://schemas.microsoft.com/office/drawing/2014/main" id="{DB146403-F3D6-484B-B2ED-97F9565D0370}"/>
@@ -12850,10 +12850,10 @@
       </p:cxnSp>
       <p:pic>
         <p:nvPicPr>
-          <p:cNvPr id="5" name="Picture 4">
+          <p:cNvPr id="4" name="Picture 3">
             <a:extLst>
               <a:ext uri="{FF2B5EF4-FFF2-40B4-BE49-F238E27FC236}">
-                <a16:creationId xmlns:a16="http://schemas.microsoft.com/office/drawing/2014/main" id="{65D1CDA9-BE33-E948-B9CD-DE3C7666DA3C}"/>
+                <a16:creationId xmlns:a16="http://schemas.microsoft.com/office/drawing/2014/main" id="{9145CCC5-6236-7C4A-B3F7-376A39C34899}"/>
               </a:ext>
             </a:extLst>
           </p:cNvPr>
@@ -12880,10 +12880,10 @@
       </p:pic>
       <p:pic>
         <p:nvPicPr>
-          <p:cNvPr id="7" name="Picture 6">
+          <p:cNvPr id="8" name="Picture 7">
             <a:extLst>
               <a:ext uri="{FF2B5EF4-FFF2-40B4-BE49-F238E27FC236}">
-                <a16:creationId xmlns:a16="http://schemas.microsoft.com/office/drawing/2014/main" id="{D730B5A5-9A1A-0F4A-BEA2-3FD43DB8C374}"/>
+                <a16:creationId xmlns:a16="http://schemas.microsoft.com/office/drawing/2014/main" id="{EB556386-96D0-0C4E-90F6-C549C83E61E5}"/>
               </a:ext>
             </a:extLst>
           </p:cNvPr>

--- a/Case_Study_MER/CaseStudy1 Class Presentation.pptx
+++ b/Case_Study_MER/CaseStudy1 Class Presentation.pptx
@@ -1774,8 +1774,8 @@
         <a:lstStyle/>
         <a:p>
           <a:r>
-            <a:rPr lang="en-US"/>
-            <a:t>Spatially correlated available data for high level review</a:t>
+            <a:rPr lang="en-US" dirty="0"/>
+            <a:t>Spatially correlated available data for high level review, potential locations for brewery expansion</a:t>
           </a:r>
         </a:p>
       </dgm:t>
@@ -1792,7 +1792,7 @@
       </dgm:t>
     </dgm:pt>
     <dgm:pt modelId="{D725A3FF-8F46-4549-8E94-AF1A6DD321BA}" type="sibTrans" cxnId="{23F4B3F8-0102-4E50-BBCC-9B59729805E6}">
-      <dgm:prSet phldrT="3" phldr="0"/>
+      <dgm:prSet phldrT="4" phldr="0"/>
       <dgm:spPr/>
       <dgm:t>
         <a:bodyPr/>
@@ -1800,7 +1800,7 @@
         <a:p>
           <a:r>
             <a:rPr lang="en-US"/>
-            <a:t>3</a:t>
+            <a:t>4</a:t>
           </a:r>
         </a:p>
       </dgm:t>
@@ -1813,8 +1813,8 @@
         <a:lstStyle/>
         <a:p>
           <a:r>
-            <a:rPr lang="en-US"/>
-            <a:t>Determined which Beers exhibited certain values for Alcohol by volume (ABV) and International Bitterness Units (IBU)</a:t>
+            <a:rPr lang="en-US" dirty="0"/>
+            <a:t>Determined which Beers exhibited certain values for Alcohol by Volume (ABV) and International Bitterness Units (IBU)</a:t>
           </a:r>
         </a:p>
       </dgm:t>
@@ -1831,7 +1831,7 @@
       </dgm:t>
     </dgm:pt>
     <dgm:pt modelId="{DE223ED5-7B25-4B7C-93E4-D873F2069D90}" type="sibTrans" cxnId="{FA2CB0E1-A0B6-4807-9A3A-3CCA86F2E8E8}">
-      <dgm:prSet phldrT="4" phldr="0"/>
+      <dgm:prSet phldrT="3" phldr="0"/>
       <dgm:spPr/>
       <dgm:t>
         <a:bodyPr/>
@@ -1839,7 +1839,7 @@
         <a:p>
           <a:r>
             <a:rPr lang="en-US"/>
-            <a:t>4</a:t>
+            <a:t>3</a:t>
           </a:r>
         </a:p>
       </dgm:t>
@@ -1931,6 +1931,45 @@
       <dgm:prSet presAssocID="{7E845DF9-552C-4825-998D-F2118B6E4E9B}" presName="sibTrans" presStyleCnt="0"/>
       <dgm:spPr/>
     </dgm:pt>
+    <dgm:pt modelId="{49C99307-910D-7A48-BDF6-A03404A8DBED}" type="pres">
+      <dgm:prSet presAssocID="{C602BF98-4DF2-4BE7-82CA-39CF65178240}" presName="compositeNode" presStyleCnt="0">
+        <dgm:presLayoutVars>
+          <dgm:bulletEnabled val="1"/>
+        </dgm:presLayoutVars>
+      </dgm:prSet>
+      <dgm:spPr/>
+    </dgm:pt>
+    <dgm:pt modelId="{DBD99253-E04B-224C-8FFB-15BD80594261}" type="pres">
+      <dgm:prSet presAssocID="{C602BF98-4DF2-4BE7-82CA-39CF65178240}" presName="bgRect" presStyleLbl="bgAccFollowNode1" presStyleIdx="2" presStyleCnt="4"/>
+      <dgm:spPr/>
+    </dgm:pt>
+    <dgm:pt modelId="{3C211283-604E-404E-A1C8-4027F0C729E9}" type="pres">
+      <dgm:prSet presAssocID="{DE223ED5-7B25-4B7C-93E4-D873F2069D90}" presName="sibTransNodeCircle" presStyleLbl="alignNode1" presStyleIdx="4" presStyleCnt="8">
+        <dgm:presLayoutVars>
+          <dgm:chMax val="0"/>
+          <dgm:bulletEnabled/>
+        </dgm:presLayoutVars>
+      </dgm:prSet>
+      <dgm:spPr/>
+    </dgm:pt>
+    <dgm:pt modelId="{083613B9-20F9-834D-AC30-33FF5D565F23}" type="pres">
+      <dgm:prSet presAssocID="{C602BF98-4DF2-4BE7-82CA-39CF65178240}" presName="bottomLine" presStyleLbl="alignNode1" presStyleIdx="5" presStyleCnt="8">
+        <dgm:presLayoutVars/>
+      </dgm:prSet>
+      <dgm:spPr/>
+    </dgm:pt>
+    <dgm:pt modelId="{71E1A219-1BA3-E04F-89B5-1CBF37F5C1BA}" type="pres">
+      <dgm:prSet presAssocID="{C602BF98-4DF2-4BE7-82CA-39CF65178240}" presName="nodeText" presStyleLbl="bgAccFollowNode1" presStyleIdx="2" presStyleCnt="4">
+        <dgm:presLayoutVars>
+          <dgm:bulletEnabled val="1"/>
+        </dgm:presLayoutVars>
+      </dgm:prSet>
+      <dgm:spPr/>
+    </dgm:pt>
+    <dgm:pt modelId="{453E6633-F6BF-2049-AC23-615D3EA38D3A}" type="pres">
+      <dgm:prSet presAssocID="{DE223ED5-7B25-4B7C-93E4-D873F2069D90}" presName="sibTrans" presStyleCnt="0"/>
+      <dgm:spPr/>
+    </dgm:pt>
     <dgm:pt modelId="{DE764D07-196B-8F44-860C-4664CC04FDC4}" type="pres">
       <dgm:prSet presAssocID="{C3374059-2D51-43AE-AE56-4AB0BDF8858D}" presName="compositeNode" presStyleCnt="0">
         <dgm:presLayoutVars>
@@ -1940,11 +1979,11 @@
       <dgm:spPr/>
     </dgm:pt>
     <dgm:pt modelId="{444E1352-161D-0A40-8387-C9F01FCB8624}" type="pres">
-      <dgm:prSet presAssocID="{C3374059-2D51-43AE-AE56-4AB0BDF8858D}" presName="bgRect" presStyleLbl="bgAccFollowNode1" presStyleIdx="2" presStyleCnt="4"/>
+      <dgm:prSet presAssocID="{C3374059-2D51-43AE-AE56-4AB0BDF8858D}" presName="bgRect" presStyleLbl="bgAccFollowNode1" presStyleIdx="3" presStyleCnt="4"/>
       <dgm:spPr/>
     </dgm:pt>
     <dgm:pt modelId="{9194E3E7-9A52-D044-8A32-0B2ECE96B668}" type="pres">
-      <dgm:prSet presAssocID="{D725A3FF-8F46-4549-8E94-AF1A6DD321BA}" presName="sibTransNodeCircle" presStyleLbl="alignNode1" presStyleIdx="4" presStyleCnt="8">
+      <dgm:prSet presAssocID="{D725A3FF-8F46-4549-8E94-AF1A6DD321BA}" presName="sibTransNodeCircle" presStyleLbl="alignNode1" presStyleIdx="6" presStyleCnt="8">
         <dgm:presLayoutVars>
           <dgm:chMax val="0"/>
           <dgm:bulletEnabled/>
@@ -1953,52 +1992,13 @@
       <dgm:spPr/>
     </dgm:pt>
     <dgm:pt modelId="{6988EA2D-E04A-A443-9435-105743D8D853}" type="pres">
-      <dgm:prSet presAssocID="{C3374059-2D51-43AE-AE56-4AB0BDF8858D}" presName="bottomLine" presStyleLbl="alignNode1" presStyleIdx="5" presStyleCnt="8">
+      <dgm:prSet presAssocID="{C3374059-2D51-43AE-AE56-4AB0BDF8858D}" presName="bottomLine" presStyleLbl="alignNode1" presStyleIdx="7" presStyleCnt="8">
         <dgm:presLayoutVars/>
       </dgm:prSet>
       <dgm:spPr/>
     </dgm:pt>
     <dgm:pt modelId="{1F4695E9-8CE7-844E-B2C8-43D15714E5C5}" type="pres">
-      <dgm:prSet presAssocID="{C3374059-2D51-43AE-AE56-4AB0BDF8858D}" presName="nodeText" presStyleLbl="bgAccFollowNode1" presStyleIdx="2" presStyleCnt="4">
-        <dgm:presLayoutVars>
-          <dgm:bulletEnabled val="1"/>
-        </dgm:presLayoutVars>
-      </dgm:prSet>
-      <dgm:spPr/>
-    </dgm:pt>
-    <dgm:pt modelId="{C8E09473-365F-1B4B-AEC8-86F039FD9086}" type="pres">
-      <dgm:prSet presAssocID="{D725A3FF-8F46-4549-8E94-AF1A6DD321BA}" presName="sibTrans" presStyleCnt="0"/>
-      <dgm:spPr/>
-    </dgm:pt>
-    <dgm:pt modelId="{49C99307-910D-7A48-BDF6-A03404A8DBED}" type="pres">
-      <dgm:prSet presAssocID="{C602BF98-4DF2-4BE7-82CA-39CF65178240}" presName="compositeNode" presStyleCnt="0">
-        <dgm:presLayoutVars>
-          <dgm:bulletEnabled val="1"/>
-        </dgm:presLayoutVars>
-      </dgm:prSet>
-      <dgm:spPr/>
-    </dgm:pt>
-    <dgm:pt modelId="{DBD99253-E04B-224C-8FFB-15BD80594261}" type="pres">
-      <dgm:prSet presAssocID="{C602BF98-4DF2-4BE7-82CA-39CF65178240}" presName="bgRect" presStyleLbl="bgAccFollowNode1" presStyleIdx="3" presStyleCnt="4"/>
-      <dgm:spPr/>
-    </dgm:pt>
-    <dgm:pt modelId="{3C211283-604E-404E-A1C8-4027F0C729E9}" type="pres">
-      <dgm:prSet presAssocID="{DE223ED5-7B25-4B7C-93E4-D873F2069D90}" presName="sibTransNodeCircle" presStyleLbl="alignNode1" presStyleIdx="6" presStyleCnt="8">
-        <dgm:presLayoutVars>
-          <dgm:chMax val="0"/>
-          <dgm:bulletEnabled/>
-        </dgm:presLayoutVars>
-      </dgm:prSet>
-      <dgm:spPr/>
-    </dgm:pt>
-    <dgm:pt modelId="{083613B9-20F9-834D-AC30-33FF5D565F23}" type="pres">
-      <dgm:prSet presAssocID="{C602BF98-4DF2-4BE7-82CA-39CF65178240}" presName="bottomLine" presStyleLbl="alignNode1" presStyleIdx="7" presStyleCnt="8">
-        <dgm:presLayoutVars/>
-      </dgm:prSet>
-      <dgm:spPr/>
-    </dgm:pt>
-    <dgm:pt modelId="{71E1A219-1BA3-E04F-89B5-1CBF37F5C1BA}" type="pres">
-      <dgm:prSet presAssocID="{C602BF98-4DF2-4BE7-82CA-39CF65178240}" presName="nodeText" presStyleLbl="bgAccFollowNode1" presStyleIdx="3" presStyleCnt="4">
+      <dgm:prSet presAssocID="{C3374059-2D51-43AE-AE56-4AB0BDF8858D}" presName="nodeText" presStyleLbl="bgAccFollowNode1" presStyleIdx="3" presStyleCnt="4">
         <dgm:presLayoutVars>
           <dgm:bulletEnabled val="1"/>
         </dgm:presLayoutVars>
@@ -2007,46 +2007,46 @@
     </dgm:pt>
   </dgm:ptLst>
   <dgm:cxnLst>
-    <dgm:cxn modelId="{88797E04-D573-694A-A74F-CCBE591AEB1E}" type="presOf" srcId="{48AF8D8F-5957-4A3C-989A-47E5ED6C644A}" destId="{272F9083-2236-8D4B-8366-149ECD646519}" srcOrd="1" destOrd="0" presId="urn:microsoft.com/office/officeart/2016/7/layout/BasicLinearProcessNumbered"/>
+    <dgm:cxn modelId="{E8E53605-20C6-574C-9F1C-3B55CB33941B}" type="presOf" srcId="{C3374059-2D51-43AE-AE56-4AB0BDF8858D}" destId="{444E1352-161D-0A40-8387-C9F01FCB8624}" srcOrd="0" destOrd="0" presId="urn:microsoft.com/office/officeart/2016/7/layout/BasicLinearProcessNumbered"/>
     <dgm:cxn modelId="{32DCD510-BA92-4D5E-9C5F-C0ED0C5A72C7}" srcId="{AE22999D-86F7-4830-AB69-E59235AB273C}" destId="{48AF8D8F-5957-4A3C-989A-47E5ED6C644A}" srcOrd="0" destOrd="0" parTransId="{52680538-9159-4F32-B6BD-618B4E8BBBCF}" sibTransId="{EBAD7543-7ABF-441B-AB5C-70704A4E9593}"/>
-    <dgm:cxn modelId="{C92BBE14-6177-6A4C-B871-957D6D983675}" type="presOf" srcId="{48AF8D8F-5957-4A3C-989A-47E5ED6C644A}" destId="{B10A8479-27FC-A54B-8304-271666BF4FC2}" srcOrd="0" destOrd="0" presId="urn:microsoft.com/office/officeart/2016/7/layout/BasicLinearProcessNumbered"/>
-    <dgm:cxn modelId="{96730B1C-45E5-A842-8564-CA253BDC4A1C}" type="presOf" srcId="{C3374059-2D51-43AE-AE56-4AB0BDF8858D}" destId="{444E1352-161D-0A40-8387-C9F01FCB8624}" srcOrd="0" destOrd="0" presId="urn:microsoft.com/office/officeart/2016/7/layout/BasicLinearProcessNumbered"/>
-    <dgm:cxn modelId="{3A66351E-EA72-AC4B-A387-8502C662AAB1}" type="presOf" srcId="{C602BF98-4DF2-4BE7-82CA-39CF65178240}" destId="{DBD99253-E04B-224C-8FFB-15BD80594261}" srcOrd="0" destOrd="0" presId="urn:microsoft.com/office/officeart/2016/7/layout/BasicLinearProcessNumbered"/>
-    <dgm:cxn modelId="{445E3738-D197-284F-824A-64BE059A8B43}" type="presOf" srcId="{EBAD7543-7ABF-441B-AB5C-70704A4E9593}" destId="{232A4CDA-F585-2444-AF0A-AC8CF4C331FC}" srcOrd="0" destOrd="0" presId="urn:microsoft.com/office/officeart/2016/7/layout/BasicLinearProcessNumbered"/>
-    <dgm:cxn modelId="{F216873E-6CCD-B649-BA43-40C4059E5062}" type="presOf" srcId="{7E845DF9-552C-4825-998D-F2118B6E4E9B}" destId="{05A5010F-9CB1-0340-8BD7-63CE0C0053D1}" srcOrd="0" destOrd="0" presId="urn:microsoft.com/office/officeart/2016/7/layout/BasicLinearProcessNumbered"/>
+    <dgm:cxn modelId="{B2E67726-F627-9B44-98EB-27F07C15FB82}" type="presOf" srcId="{C3374059-2D51-43AE-AE56-4AB0BDF8858D}" destId="{1F4695E9-8CE7-844E-B2C8-43D15714E5C5}" srcOrd="1" destOrd="0" presId="urn:microsoft.com/office/officeart/2016/7/layout/BasicLinearProcessNumbered"/>
+    <dgm:cxn modelId="{FA26954C-189C-264F-8BFE-CFC7BB9BDB26}" type="presOf" srcId="{D725A3FF-8F46-4549-8E94-AF1A6DD321BA}" destId="{9194E3E7-9A52-D044-8A32-0B2ECE96B668}" srcOrd="0" destOrd="0" presId="urn:microsoft.com/office/officeart/2016/7/layout/BasicLinearProcessNumbered"/>
+    <dgm:cxn modelId="{37CD215B-A40A-CF46-B740-E8A6B495D1D1}" type="presOf" srcId="{EBAD7543-7ABF-441B-AB5C-70704A4E9593}" destId="{232A4CDA-F585-2444-AF0A-AC8CF4C331FC}" srcOrd="0" destOrd="0" presId="urn:microsoft.com/office/officeart/2016/7/layout/BasicLinearProcessNumbered"/>
     <dgm:cxn modelId="{0B3B7470-EADF-704A-9AE1-B04C40CCF1AB}" type="presOf" srcId="{AE22999D-86F7-4830-AB69-E59235AB273C}" destId="{7DA94DCE-F4B6-4F49-9A5B-B5759E3E99F7}" srcOrd="0" destOrd="0" presId="urn:microsoft.com/office/officeart/2016/7/layout/BasicLinearProcessNumbered"/>
     <dgm:cxn modelId="{1212927B-15C5-49AA-85F3-4A363F0F09B7}" srcId="{AE22999D-86F7-4830-AB69-E59235AB273C}" destId="{D5E1AEB8-042F-4428-AA41-BEAE90F12E6C}" srcOrd="1" destOrd="0" parTransId="{F359C698-CD01-4ED1-95A6-BC64B83FC0A5}" sibTransId="{7E845DF9-552C-4825-998D-F2118B6E4E9B}"/>
-    <dgm:cxn modelId="{F25C917F-D357-D84D-9A69-CFFE4C5019ED}" type="presOf" srcId="{D725A3FF-8F46-4549-8E94-AF1A6DD321BA}" destId="{9194E3E7-9A52-D044-8A32-0B2ECE96B668}" srcOrd="0" destOrd="0" presId="urn:microsoft.com/office/officeart/2016/7/layout/BasicLinearProcessNumbered"/>
-    <dgm:cxn modelId="{0CF36B89-F352-0749-9C65-1BFB57134590}" type="presOf" srcId="{D5E1AEB8-042F-4428-AA41-BEAE90F12E6C}" destId="{7AF39287-380C-4242-BDB0-BF9261B86122}" srcOrd="0" destOrd="0" presId="urn:microsoft.com/office/officeart/2016/7/layout/BasicLinearProcessNumbered"/>
-    <dgm:cxn modelId="{A786E18F-8968-8841-9E4C-E1BD88FCDE8F}" type="presOf" srcId="{D5E1AEB8-042F-4428-AA41-BEAE90F12E6C}" destId="{044C058A-C311-924A-83CE-AD8A8A6B79BE}" srcOrd="1" destOrd="0" presId="urn:microsoft.com/office/officeart/2016/7/layout/BasicLinearProcessNumbered"/>
-    <dgm:cxn modelId="{C8A43AA5-63C0-E24D-AC35-408EA66C69BA}" type="presOf" srcId="{C602BF98-4DF2-4BE7-82CA-39CF65178240}" destId="{71E1A219-1BA3-E04F-89B5-1CBF37F5C1BA}" srcOrd="1" destOrd="0" presId="urn:microsoft.com/office/officeart/2016/7/layout/BasicLinearProcessNumbered"/>
-    <dgm:cxn modelId="{EF4D5EE1-E334-0F46-A4E6-9A85907921F7}" type="presOf" srcId="{C3374059-2D51-43AE-AE56-4AB0BDF8858D}" destId="{1F4695E9-8CE7-844E-B2C8-43D15714E5C5}" srcOrd="1" destOrd="0" presId="urn:microsoft.com/office/officeart/2016/7/layout/BasicLinearProcessNumbered"/>
-    <dgm:cxn modelId="{FA2CB0E1-A0B6-4807-9A3A-3CCA86F2E8E8}" srcId="{AE22999D-86F7-4830-AB69-E59235AB273C}" destId="{C602BF98-4DF2-4BE7-82CA-39CF65178240}" srcOrd="3" destOrd="0" parTransId="{1B05DB47-4455-411F-BF0A-F18EAF8B29E0}" sibTransId="{DE223ED5-7B25-4B7C-93E4-D873F2069D90}"/>
-    <dgm:cxn modelId="{50BC2AED-BA24-E54F-A054-47A95108258F}" type="presOf" srcId="{DE223ED5-7B25-4B7C-93E4-D873F2069D90}" destId="{3C211283-604E-404E-A1C8-4027F0C729E9}" srcOrd="0" destOrd="0" presId="urn:microsoft.com/office/officeart/2016/7/layout/BasicLinearProcessNumbered"/>
-    <dgm:cxn modelId="{23F4B3F8-0102-4E50-BBCC-9B59729805E6}" srcId="{AE22999D-86F7-4830-AB69-E59235AB273C}" destId="{C3374059-2D51-43AE-AE56-4AB0BDF8858D}" srcOrd="2" destOrd="0" parTransId="{023A076F-3375-4171-A59C-36EF3B9D11B7}" sibTransId="{D725A3FF-8F46-4549-8E94-AF1A6DD321BA}"/>
-    <dgm:cxn modelId="{07011CDC-99C4-F342-AA9B-BEE794F8EB55}" type="presParOf" srcId="{7DA94DCE-F4B6-4F49-9A5B-B5759E3E99F7}" destId="{0EABBC90-D076-9846-8B89-A78665D6A664}" srcOrd="0" destOrd="0" presId="urn:microsoft.com/office/officeart/2016/7/layout/BasicLinearProcessNumbered"/>
-    <dgm:cxn modelId="{057C72ED-824F-6B40-8086-B2765EE210E0}" type="presParOf" srcId="{0EABBC90-D076-9846-8B89-A78665D6A664}" destId="{B10A8479-27FC-A54B-8304-271666BF4FC2}" srcOrd="0" destOrd="0" presId="urn:microsoft.com/office/officeart/2016/7/layout/BasicLinearProcessNumbered"/>
-    <dgm:cxn modelId="{F3FF3515-2F98-C842-B089-0120D1802239}" type="presParOf" srcId="{0EABBC90-D076-9846-8B89-A78665D6A664}" destId="{232A4CDA-F585-2444-AF0A-AC8CF4C331FC}" srcOrd="1" destOrd="0" presId="urn:microsoft.com/office/officeart/2016/7/layout/BasicLinearProcessNumbered"/>
-    <dgm:cxn modelId="{AF4B0498-EF7C-5B40-B163-E849A154C8A3}" type="presParOf" srcId="{0EABBC90-D076-9846-8B89-A78665D6A664}" destId="{6CEBBF75-06E7-5847-B133-F1399B4BAFC6}" srcOrd="2" destOrd="0" presId="urn:microsoft.com/office/officeart/2016/7/layout/BasicLinearProcessNumbered"/>
-    <dgm:cxn modelId="{EA383935-4129-2442-B4E9-53A8FB676763}" type="presParOf" srcId="{0EABBC90-D076-9846-8B89-A78665D6A664}" destId="{272F9083-2236-8D4B-8366-149ECD646519}" srcOrd="3" destOrd="0" presId="urn:microsoft.com/office/officeart/2016/7/layout/BasicLinearProcessNumbered"/>
-    <dgm:cxn modelId="{D0F973B9-CEF5-2C40-9CA3-FD6A31DDA790}" type="presParOf" srcId="{7DA94DCE-F4B6-4F49-9A5B-B5759E3E99F7}" destId="{B67D1119-A555-D941-94D0-A9264C8F9D2E}" srcOrd="1" destOrd="0" presId="urn:microsoft.com/office/officeart/2016/7/layout/BasicLinearProcessNumbered"/>
-    <dgm:cxn modelId="{DBE3E6D4-9591-B44C-A721-7035C24837F8}" type="presParOf" srcId="{7DA94DCE-F4B6-4F49-9A5B-B5759E3E99F7}" destId="{7F350BCD-3C62-BD4A-A3EC-AA5E931D8B4B}" srcOrd="2" destOrd="0" presId="urn:microsoft.com/office/officeart/2016/7/layout/BasicLinearProcessNumbered"/>
-    <dgm:cxn modelId="{E0966C33-7A71-3042-8D3D-A51BF814194C}" type="presParOf" srcId="{7F350BCD-3C62-BD4A-A3EC-AA5E931D8B4B}" destId="{7AF39287-380C-4242-BDB0-BF9261B86122}" srcOrd="0" destOrd="0" presId="urn:microsoft.com/office/officeart/2016/7/layout/BasicLinearProcessNumbered"/>
-    <dgm:cxn modelId="{287A2C1A-95E4-D749-87C2-FE655E811BF5}" type="presParOf" srcId="{7F350BCD-3C62-BD4A-A3EC-AA5E931D8B4B}" destId="{05A5010F-9CB1-0340-8BD7-63CE0C0053D1}" srcOrd="1" destOrd="0" presId="urn:microsoft.com/office/officeart/2016/7/layout/BasicLinearProcessNumbered"/>
-    <dgm:cxn modelId="{9611C31C-41A3-0F48-8481-1D3A5B125AC0}" type="presParOf" srcId="{7F350BCD-3C62-BD4A-A3EC-AA5E931D8B4B}" destId="{1D67EC59-5588-DB4A-8AB8-5F1C6D70305B}" srcOrd="2" destOrd="0" presId="urn:microsoft.com/office/officeart/2016/7/layout/BasicLinearProcessNumbered"/>
-    <dgm:cxn modelId="{4FDB93CE-2A07-B248-8D62-7C2838AA8855}" type="presParOf" srcId="{7F350BCD-3C62-BD4A-A3EC-AA5E931D8B4B}" destId="{044C058A-C311-924A-83CE-AD8A8A6B79BE}" srcOrd="3" destOrd="0" presId="urn:microsoft.com/office/officeart/2016/7/layout/BasicLinearProcessNumbered"/>
-    <dgm:cxn modelId="{9A9DC580-82AA-E64E-93B1-587A86CB97CB}" type="presParOf" srcId="{7DA94DCE-F4B6-4F49-9A5B-B5759E3E99F7}" destId="{847B1ED2-0FDA-F441-9B15-17AA646A2643}" srcOrd="3" destOrd="0" presId="urn:microsoft.com/office/officeart/2016/7/layout/BasicLinearProcessNumbered"/>
-    <dgm:cxn modelId="{FEEED339-0A2F-0342-A702-097579039FEE}" type="presParOf" srcId="{7DA94DCE-F4B6-4F49-9A5B-B5759E3E99F7}" destId="{DE764D07-196B-8F44-860C-4664CC04FDC4}" srcOrd="4" destOrd="0" presId="urn:microsoft.com/office/officeart/2016/7/layout/BasicLinearProcessNumbered"/>
-    <dgm:cxn modelId="{6EB7ED8F-0F39-9A4F-B098-C726283500D3}" type="presParOf" srcId="{DE764D07-196B-8F44-860C-4664CC04FDC4}" destId="{444E1352-161D-0A40-8387-C9F01FCB8624}" srcOrd="0" destOrd="0" presId="urn:microsoft.com/office/officeart/2016/7/layout/BasicLinearProcessNumbered"/>
-    <dgm:cxn modelId="{661E3294-2BB3-B249-B51A-6799E77C7EB1}" type="presParOf" srcId="{DE764D07-196B-8F44-860C-4664CC04FDC4}" destId="{9194E3E7-9A52-D044-8A32-0B2ECE96B668}" srcOrd="1" destOrd="0" presId="urn:microsoft.com/office/officeart/2016/7/layout/BasicLinearProcessNumbered"/>
-    <dgm:cxn modelId="{F828BC1E-3831-9C47-B2A8-0B4A3A55FD99}" type="presParOf" srcId="{DE764D07-196B-8F44-860C-4664CC04FDC4}" destId="{6988EA2D-E04A-A443-9435-105743D8D853}" srcOrd="2" destOrd="0" presId="urn:microsoft.com/office/officeart/2016/7/layout/BasicLinearProcessNumbered"/>
-    <dgm:cxn modelId="{C8029388-441B-1245-BB76-46A602F8C4AA}" type="presParOf" srcId="{DE764D07-196B-8F44-860C-4664CC04FDC4}" destId="{1F4695E9-8CE7-844E-B2C8-43D15714E5C5}" srcOrd="3" destOrd="0" presId="urn:microsoft.com/office/officeart/2016/7/layout/BasicLinearProcessNumbered"/>
-    <dgm:cxn modelId="{3E1F229D-3EA0-F44C-977B-3A357DFFD5B9}" type="presParOf" srcId="{7DA94DCE-F4B6-4F49-9A5B-B5759E3E99F7}" destId="{C8E09473-365F-1B4B-AEC8-86F039FD9086}" srcOrd="5" destOrd="0" presId="urn:microsoft.com/office/officeart/2016/7/layout/BasicLinearProcessNumbered"/>
-    <dgm:cxn modelId="{042268A0-07B2-034E-926C-35D8AB1B847E}" type="presParOf" srcId="{7DA94DCE-F4B6-4F49-9A5B-B5759E3E99F7}" destId="{49C99307-910D-7A48-BDF6-A03404A8DBED}" srcOrd="6" destOrd="0" presId="urn:microsoft.com/office/officeart/2016/7/layout/BasicLinearProcessNumbered"/>
-    <dgm:cxn modelId="{D688E3FD-7A98-1A48-95C8-C84CD7CD2FB0}" type="presParOf" srcId="{49C99307-910D-7A48-BDF6-A03404A8DBED}" destId="{DBD99253-E04B-224C-8FFB-15BD80594261}" srcOrd="0" destOrd="0" presId="urn:microsoft.com/office/officeart/2016/7/layout/BasicLinearProcessNumbered"/>
-    <dgm:cxn modelId="{C95D4E9E-664C-A140-B0AE-E9F4C3F2AC20}" type="presParOf" srcId="{49C99307-910D-7A48-BDF6-A03404A8DBED}" destId="{3C211283-604E-404E-A1C8-4027F0C729E9}" srcOrd="1" destOrd="0" presId="urn:microsoft.com/office/officeart/2016/7/layout/BasicLinearProcessNumbered"/>
-    <dgm:cxn modelId="{9F9253E9-F79F-4242-A9F9-2117A579CD19}" type="presParOf" srcId="{49C99307-910D-7A48-BDF6-A03404A8DBED}" destId="{083613B9-20F9-834D-AC30-33FF5D565F23}" srcOrd="2" destOrd="0" presId="urn:microsoft.com/office/officeart/2016/7/layout/BasicLinearProcessNumbered"/>
-    <dgm:cxn modelId="{C2CDD211-1640-3A49-9937-1264ABFA32EA}" type="presParOf" srcId="{49C99307-910D-7A48-BDF6-A03404A8DBED}" destId="{71E1A219-1BA3-E04F-89B5-1CBF37F5C1BA}" srcOrd="3" destOrd="0" presId="urn:microsoft.com/office/officeart/2016/7/layout/BasicLinearProcessNumbered"/>
+    <dgm:cxn modelId="{037DC28D-556E-2E4E-917E-7BC366317415}" type="presOf" srcId="{DE223ED5-7B25-4B7C-93E4-D873F2069D90}" destId="{3C211283-604E-404E-A1C8-4027F0C729E9}" srcOrd="0" destOrd="0" presId="urn:microsoft.com/office/officeart/2016/7/layout/BasicLinearProcessNumbered"/>
+    <dgm:cxn modelId="{DFCBAAB8-4DE3-A042-A826-68D28F8B125E}" type="presOf" srcId="{48AF8D8F-5957-4A3C-989A-47E5ED6C644A}" destId="{272F9083-2236-8D4B-8366-149ECD646519}" srcOrd="1" destOrd="0" presId="urn:microsoft.com/office/officeart/2016/7/layout/BasicLinearProcessNumbered"/>
+    <dgm:cxn modelId="{7AE72DBD-CAAD-AE4F-A6E8-7D361BF626DB}" type="presOf" srcId="{D5E1AEB8-042F-4428-AA41-BEAE90F12E6C}" destId="{044C058A-C311-924A-83CE-AD8A8A6B79BE}" srcOrd="1" destOrd="0" presId="urn:microsoft.com/office/officeart/2016/7/layout/BasicLinearProcessNumbered"/>
+    <dgm:cxn modelId="{AF4758D0-6E99-F14F-8B63-14FBFDB6CCD2}" type="presOf" srcId="{C602BF98-4DF2-4BE7-82CA-39CF65178240}" destId="{DBD99253-E04B-224C-8FFB-15BD80594261}" srcOrd="0" destOrd="0" presId="urn:microsoft.com/office/officeart/2016/7/layout/BasicLinearProcessNumbered"/>
+    <dgm:cxn modelId="{452C12D3-E940-8147-B453-145742DB2428}" type="presOf" srcId="{48AF8D8F-5957-4A3C-989A-47E5ED6C644A}" destId="{B10A8479-27FC-A54B-8304-271666BF4FC2}" srcOrd="0" destOrd="0" presId="urn:microsoft.com/office/officeart/2016/7/layout/BasicLinearProcessNumbered"/>
+    <dgm:cxn modelId="{FA2CB0E1-A0B6-4807-9A3A-3CCA86F2E8E8}" srcId="{AE22999D-86F7-4830-AB69-E59235AB273C}" destId="{C602BF98-4DF2-4BE7-82CA-39CF65178240}" srcOrd="2" destOrd="0" parTransId="{1B05DB47-4455-411F-BF0A-F18EAF8B29E0}" sibTransId="{DE223ED5-7B25-4B7C-93E4-D873F2069D90}"/>
+    <dgm:cxn modelId="{A0C2F8E3-9A33-984E-B347-645D982ABCD2}" type="presOf" srcId="{C602BF98-4DF2-4BE7-82CA-39CF65178240}" destId="{71E1A219-1BA3-E04F-89B5-1CBF37F5C1BA}" srcOrd="1" destOrd="0" presId="urn:microsoft.com/office/officeart/2016/7/layout/BasicLinearProcessNumbered"/>
+    <dgm:cxn modelId="{43DE58E4-5ECA-B849-B3F9-3C10C8F66E24}" type="presOf" srcId="{7E845DF9-552C-4825-998D-F2118B6E4E9B}" destId="{05A5010F-9CB1-0340-8BD7-63CE0C0053D1}" srcOrd="0" destOrd="0" presId="urn:microsoft.com/office/officeart/2016/7/layout/BasicLinearProcessNumbered"/>
+    <dgm:cxn modelId="{23F4B3F8-0102-4E50-BBCC-9B59729805E6}" srcId="{AE22999D-86F7-4830-AB69-E59235AB273C}" destId="{C3374059-2D51-43AE-AE56-4AB0BDF8858D}" srcOrd="3" destOrd="0" parTransId="{023A076F-3375-4171-A59C-36EF3B9D11B7}" sibTransId="{D725A3FF-8F46-4549-8E94-AF1A6DD321BA}"/>
+    <dgm:cxn modelId="{A272FEFF-3294-3B43-B1C9-722337AD56A6}" type="presOf" srcId="{D5E1AEB8-042F-4428-AA41-BEAE90F12E6C}" destId="{7AF39287-380C-4242-BDB0-BF9261B86122}" srcOrd="0" destOrd="0" presId="urn:microsoft.com/office/officeart/2016/7/layout/BasicLinearProcessNumbered"/>
+    <dgm:cxn modelId="{5E098335-3A85-6B49-8E57-FB85E1457A48}" type="presParOf" srcId="{7DA94DCE-F4B6-4F49-9A5B-B5759E3E99F7}" destId="{0EABBC90-D076-9846-8B89-A78665D6A664}" srcOrd="0" destOrd="0" presId="urn:microsoft.com/office/officeart/2016/7/layout/BasicLinearProcessNumbered"/>
+    <dgm:cxn modelId="{E78AD5EB-1C57-6B47-8BFC-C85CB58B344F}" type="presParOf" srcId="{0EABBC90-D076-9846-8B89-A78665D6A664}" destId="{B10A8479-27FC-A54B-8304-271666BF4FC2}" srcOrd="0" destOrd="0" presId="urn:microsoft.com/office/officeart/2016/7/layout/BasicLinearProcessNumbered"/>
+    <dgm:cxn modelId="{235263E7-7804-D049-BC1B-6BE82ECA9D72}" type="presParOf" srcId="{0EABBC90-D076-9846-8B89-A78665D6A664}" destId="{232A4CDA-F585-2444-AF0A-AC8CF4C331FC}" srcOrd="1" destOrd="0" presId="urn:microsoft.com/office/officeart/2016/7/layout/BasicLinearProcessNumbered"/>
+    <dgm:cxn modelId="{DB44DF9D-7FD2-B748-9D91-0A1A85D9E067}" type="presParOf" srcId="{0EABBC90-D076-9846-8B89-A78665D6A664}" destId="{6CEBBF75-06E7-5847-B133-F1399B4BAFC6}" srcOrd="2" destOrd="0" presId="urn:microsoft.com/office/officeart/2016/7/layout/BasicLinearProcessNumbered"/>
+    <dgm:cxn modelId="{107A8990-D0C3-DB47-918D-70273C57264B}" type="presParOf" srcId="{0EABBC90-D076-9846-8B89-A78665D6A664}" destId="{272F9083-2236-8D4B-8366-149ECD646519}" srcOrd="3" destOrd="0" presId="urn:microsoft.com/office/officeart/2016/7/layout/BasicLinearProcessNumbered"/>
+    <dgm:cxn modelId="{09060EA7-9E73-1A47-9717-60C6C6E66627}" type="presParOf" srcId="{7DA94DCE-F4B6-4F49-9A5B-B5759E3E99F7}" destId="{B67D1119-A555-D941-94D0-A9264C8F9D2E}" srcOrd="1" destOrd="0" presId="urn:microsoft.com/office/officeart/2016/7/layout/BasicLinearProcessNumbered"/>
+    <dgm:cxn modelId="{8C185E0B-91A2-334C-9F2E-5E0F3C0A9518}" type="presParOf" srcId="{7DA94DCE-F4B6-4F49-9A5B-B5759E3E99F7}" destId="{7F350BCD-3C62-BD4A-A3EC-AA5E931D8B4B}" srcOrd="2" destOrd="0" presId="urn:microsoft.com/office/officeart/2016/7/layout/BasicLinearProcessNumbered"/>
+    <dgm:cxn modelId="{EAC84E04-A0C9-D84C-AEC9-3C1C53F64098}" type="presParOf" srcId="{7F350BCD-3C62-BD4A-A3EC-AA5E931D8B4B}" destId="{7AF39287-380C-4242-BDB0-BF9261B86122}" srcOrd="0" destOrd="0" presId="urn:microsoft.com/office/officeart/2016/7/layout/BasicLinearProcessNumbered"/>
+    <dgm:cxn modelId="{4AE01C45-E881-6549-BB9E-16AE31C6D063}" type="presParOf" srcId="{7F350BCD-3C62-BD4A-A3EC-AA5E931D8B4B}" destId="{05A5010F-9CB1-0340-8BD7-63CE0C0053D1}" srcOrd="1" destOrd="0" presId="urn:microsoft.com/office/officeart/2016/7/layout/BasicLinearProcessNumbered"/>
+    <dgm:cxn modelId="{F9066842-443F-6A4F-A2FB-4A2CF0AE1FEC}" type="presParOf" srcId="{7F350BCD-3C62-BD4A-A3EC-AA5E931D8B4B}" destId="{1D67EC59-5588-DB4A-8AB8-5F1C6D70305B}" srcOrd="2" destOrd="0" presId="urn:microsoft.com/office/officeart/2016/7/layout/BasicLinearProcessNumbered"/>
+    <dgm:cxn modelId="{9702915D-6BBA-BB41-8069-4ECFDDF3F978}" type="presParOf" srcId="{7F350BCD-3C62-BD4A-A3EC-AA5E931D8B4B}" destId="{044C058A-C311-924A-83CE-AD8A8A6B79BE}" srcOrd="3" destOrd="0" presId="urn:microsoft.com/office/officeart/2016/7/layout/BasicLinearProcessNumbered"/>
+    <dgm:cxn modelId="{1EB9BDA8-39CA-E34C-A407-AB265A960F77}" type="presParOf" srcId="{7DA94DCE-F4B6-4F49-9A5B-B5759E3E99F7}" destId="{847B1ED2-0FDA-F441-9B15-17AA646A2643}" srcOrd="3" destOrd="0" presId="urn:microsoft.com/office/officeart/2016/7/layout/BasicLinearProcessNumbered"/>
+    <dgm:cxn modelId="{F5EE790B-19F8-0941-AB15-C9C5CE9C2E9D}" type="presParOf" srcId="{7DA94DCE-F4B6-4F49-9A5B-B5759E3E99F7}" destId="{49C99307-910D-7A48-BDF6-A03404A8DBED}" srcOrd="4" destOrd="0" presId="urn:microsoft.com/office/officeart/2016/7/layout/BasicLinearProcessNumbered"/>
+    <dgm:cxn modelId="{1758E663-E767-1B40-B1A0-342F739E6E70}" type="presParOf" srcId="{49C99307-910D-7A48-BDF6-A03404A8DBED}" destId="{DBD99253-E04B-224C-8FFB-15BD80594261}" srcOrd="0" destOrd="0" presId="urn:microsoft.com/office/officeart/2016/7/layout/BasicLinearProcessNumbered"/>
+    <dgm:cxn modelId="{1D687193-8FB6-9E4A-8785-8E820E547D82}" type="presParOf" srcId="{49C99307-910D-7A48-BDF6-A03404A8DBED}" destId="{3C211283-604E-404E-A1C8-4027F0C729E9}" srcOrd="1" destOrd="0" presId="urn:microsoft.com/office/officeart/2016/7/layout/BasicLinearProcessNumbered"/>
+    <dgm:cxn modelId="{58BB60BF-0AEB-704E-B788-2613336D6F10}" type="presParOf" srcId="{49C99307-910D-7A48-BDF6-A03404A8DBED}" destId="{083613B9-20F9-834D-AC30-33FF5D565F23}" srcOrd="2" destOrd="0" presId="urn:microsoft.com/office/officeart/2016/7/layout/BasicLinearProcessNumbered"/>
+    <dgm:cxn modelId="{D6B1E7A1-67E4-704F-8AE2-9D139B82E770}" type="presParOf" srcId="{49C99307-910D-7A48-BDF6-A03404A8DBED}" destId="{71E1A219-1BA3-E04F-89B5-1CBF37F5C1BA}" srcOrd="3" destOrd="0" presId="urn:microsoft.com/office/officeart/2016/7/layout/BasicLinearProcessNumbered"/>
+    <dgm:cxn modelId="{7FE89C24-ECF0-5E40-83DD-53DA1D2B8E46}" type="presParOf" srcId="{7DA94DCE-F4B6-4F49-9A5B-B5759E3E99F7}" destId="{453E6633-F6BF-2049-AC23-615D3EA38D3A}" srcOrd="5" destOrd="0" presId="urn:microsoft.com/office/officeart/2016/7/layout/BasicLinearProcessNumbered"/>
+    <dgm:cxn modelId="{972AB0FA-3C07-C940-BC4B-EE36DD572A70}" type="presParOf" srcId="{7DA94DCE-F4B6-4F49-9A5B-B5759E3E99F7}" destId="{DE764D07-196B-8F44-860C-4664CC04FDC4}" srcOrd="6" destOrd="0" presId="urn:microsoft.com/office/officeart/2016/7/layout/BasicLinearProcessNumbered"/>
+    <dgm:cxn modelId="{78D12E78-237C-494A-BA34-88162FCED0EE}" type="presParOf" srcId="{DE764D07-196B-8F44-860C-4664CC04FDC4}" destId="{444E1352-161D-0A40-8387-C9F01FCB8624}" srcOrd="0" destOrd="0" presId="urn:microsoft.com/office/officeart/2016/7/layout/BasicLinearProcessNumbered"/>
+    <dgm:cxn modelId="{F1915741-D319-C14F-8B6D-C0DA6DD78A45}" type="presParOf" srcId="{DE764D07-196B-8F44-860C-4664CC04FDC4}" destId="{9194E3E7-9A52-D044-8A32-0B2ECE96B668}" srcOrd="1" destOrd="0" presId="urn:microsoft.com/office/officeart/2016/7/layout/BasicLinearProcessNumbered"/>
+    <dgm:cxn modelId="{FEBEA7C4-5C06-3646-8C73-070D6B589D4D}" type="presParOf" srcId="{DE764D07-196B-8F44-860C-4664CC04FDC4}" destId="{6988EA2D-E04A-A443-9435-105743D8D853}" srcOrd="2" destOrd="0" presId="urn:microsoft.com/office/officeart/2016/7/layout/BasicLinearProcessNumbered"/>
+    <dgm:cxn modelId="{960C8084-8390-4745-9B05-3F1A2C79496B}" type="presParOf" srcId="{DE764D07-196B-8F44-860C-4664CC04FDC4}" destId="{1F4695E9-8CE7-844E-B2C8-43D15714E5C5}" srcOrd="3" destOrd="0" presId="urn:microsoft.com/office/officeart/2016/7/layout/BasicLinearProcessNumbered"/>
   </dgm:cxnLst>
   <dgm:bg/>
   <dgm:whole/>
@@ -2861,7 +2861,7 @@
         </a:fontRef>
       </dsp:style>
     </dsp:sp>
-    <dsp:sp modelId="{444E1352-161D-0A40-8387-C9F01FCB8624}">
+    <dsp:sp modelId="{DBD99253-E04B-224C-8FFB-15BD80594261}">
       <dsp:nvSpPr>
         <dsp:cNvPr id="0" name=""/>
         <dsp:cNvSpPr/>
@@ -2931,8 +2931,8 @@
             <a:buNone/>
           </a:pPr>
           <a:r>
-            <a:rPr lang="en-US" sz="1600" kern="1200"/>
-            <a:t>Spatially correlated available data for high level review</a:t>
+            <a:rPr lang="en-US" sz="1600" kern="1200" dirty="0"/>
+            <a:t>Determined which Beers exhibited certain values for Alcohol by Volume (ABV) and International Bitterness Units (IBU)</a:t>
           </a:r>
         </a:p>
       </dsp:txBody>
@@ -2941,7 +2941,7 @@
         <a:ext cx="2444055" cy="2053006"/>
       </dsp:txXfrm>
     </dsp:sp>
-    <dsp:sp modelId="{9194E3E7-9A52-D044-8A32-0B2ECE96B668}">
+    <dsp:sp modelId="{3C211283-604E-404E-A1C8-4027F0C729E9}">
       <dsp:nvSpPr>
         <dsp:cNvPr id="0" name=""/>
         <dsp:cNvSpPr/>
@@ -3019,7 +3019,7 @@
         <a:ext cx="725847" cy="725847"/>
       </dsp:txXfrm>
     </dsp:sp>
-    <dsp:sp modelId="{6988EA2D-E04A-A443-9435-105743D8D853}">
+    <dsp:sp modelId="{083613B9-20F9-834D-AC30-33FF5D565F23}">
       <dsp:nvSpPr>
         <dsp:cNvPr id="0" name=""/>
         <dsp:cNvSpPr/>
@@ -3069,7 +3069,7 @@
         </a:fontRef>
       </dsp:style>
     </dsp:sp>
-    <dsp:sp modelId="{DBD99253-E04B-224C-8FFB-15BD80594261}">
+    <dsp:sp modelId="{444E1352-161D-0A40-8387-C9F01FCB8624}">
       <dsp:nvSpPr>
         <dsp:cNvPr id="0" name=""/>
         <dsp:cNvSpPr/>
@@ -3139,8 +3139,8 @@
             <a:buNone/>
           </a:pPr>
           <a:r>
-            <a:rPr lang="en-US" sz="1600" kern="1200"/>
-            <a:t>Determined which Beers exhibited certain values for Alcohol by volume (ABV) and International Bitterness Units (IBU)</a:t>
+            <a:rPr lang="en-US" sz="1600" kern="1200" dirty="0"/>
+            <a:t>Spatially correlated available data for high level review, potential locations for brewery expansion</a:t>
           </a:r>
         </a:p>
       </dsp:txBody>
@@ -3149,7 +3149,7 @@
         <a:ext cx="2444055" cy="2053006"/>
       </dsp:txXfrm>
     </dsp:sp>
-    <dsp:sp modelId="{3C211283-604E-404E-A1C8-4027F0C729E9}">
+    <dsp:sp modelId="{9194E3E7-9A52-D044-8A32-0B2ECE96B668}">
       <dsp:nvSpPr>
         <dsp:cNvPr id="0" name=""/>
         <dsp:cNvSpPr/>
@@ -3227,7 +3227,7 @@
         <a:ext cx="725847" cy="725847"/>
       </dsp:txXfrm>
     </dsp:sp>
-    <dsp:sp modelId="{083613B9-20F9-834D-AC30-33FF5D565F23}">
+    <dsp:sp modelId="{6988EA2D-E04A-A443-9435-105743D8D853}">
       <dsp:nvSpPr>
         <dsp:cNvPr id="0" name=""/>
         <dsp:cNvSpPr/>
@@ -10163,7 +10163,7 @@
             <p:ph idx="1"/>
             <p:extLst>
               <p:ext uri="{D42A27DB-BD31-4B8C-83A1-F6EECF244321}">
-                <p14:modId xmlns:p14="http://schemas.microsoft.com/office/powerpoint/2010/main" val="589632947"/>
+                <p14:modId xmlns:p14="http://schemas.microsoft.com/office/powerpoint/2010/main" val="976711645"/>
               </p:ext>
             </p:extLst>
           </p:nvPr>
@@ -11821,23 +11821,7 @@
             <a:pPr algn="l"/>
             <a:r>
               <a:rPr lang="en-US" sz="2000" dirty="0"/>
-              <a:t>After implementation of string functions and some fuzzy string logic the following were found to be potential duplicate records. The top instance below requires domain expertise given The unique nature of “</a:t>
-            </a:r>
-            <a:r>
-              <a:rPr lang="en-US" sz="2000" dirty="0" err="1"/>
-              <a:t>Catawaba</a:t>
-            </a:r>
-            <a:r>
-              <a:rPr lang="en-US" sz="2000" dirty="0"/>
-              <a:t> Valley” compared to “</a:t>
-            </a:r>
-            <a:r>
-              <a:rPr lang="en-US" sz="2000" dirty="0" err="1"/>
-              <a:t>Catawaba</a:t>
-            </a:r>
-            <a:r>
-              <a:rPr lang="en-US" sz="2000" dirty="0"/>
-              <a:t> Brewing”.</a:t>
+              <a:t>After implementation of string functions and some fuzzy string logic the following were found to be potential duplicate records. The top instance below requires domain expertise given the unique nature of “Catawba Valley” compared to “Catawba Brewing”.</a:t>
             </a:r>
           </a:p>
         </p:txBody>
